--- a/RoundTable Presentation/Presentation.pptx
+++ b/RoundTable Presentation/Presentation.pptx
@@ -4255,10 +4255,10 @@
           <p:cNvPr id="9" name="Rectangle 8">
             <a:extLst>
               <a:ext uri="{FF2B5EF4-FFF2-40B4-BE49-F238E27FC236}">
-                <a16:creationId xmlns="" xmlns:a16="http://schemas.microsoft.com/office/drawing/2014/main" id="{961D8973-EAA9-459A-AF59-BBB4233D6C78}"/>
+                <a16:creationId xmlns:a16="http://schemas.microsoft.com/office/drawing/2014/main" xmlns="" id="{961D8973-EAA9-459A-AF59-BBB4233D6C78}"/>
               </a:ext>
               <a:ext uri="{C183D7F6-B498-43B3-948B-1728B52AA6E4}">
-                <adec:decorative xmlns="" xmlns:adec="http://schemas.microsoft.com/office/drawing/2017/decorative" val="1"/>
+                <adec:decorative xmlns:adec="http://schemas.microsoft.com/office/drawing/2017/decorative" xmlns="" val="1"/>
               </a:ext>
             </a:extLst>
           </p:cNvPr>
@@ -4357,7 +4357,7 @@
         </p:spPr>
         <p:txBody>
           <a:bodyPr>
-            <a:normAutofit fontScale="92500" lnSpcReduction="10000"/>
+            <a:normAutofit fontScale="85000" lnSpcReduction="10000"/>
           </a:bodyPr>
           <a:lstStyle/>
           <a:p>
@@ -4414,8 +4414,21 @@
           <a:p>
             <a:r>
               <a:rPr lang="en-US" dirty="0"/>
-              <a:t>Each fact has a corresponding image.</a:t>
-            </a:r>
+              <a:t>Each fact has a corresponding image</a:t>
+            </a:r>
+            <a:r>
+              <a:rPr lang="en-US" dirty="0" smtClean="0"/>
+              <a:t>.</a:t>
+            </a:r>
+          </a:p>
+          <a:p>
+            <a:r>
+              <a:rPr lang="en-US" dirty="0">
+                <a:hlinkClick r:id="rId5"/>
+              </a:rPr>
+              <a:t>http://www.sbs.com.au/theboat/</a:t>
+            </a:r>
+            <a:endParaRPr lang="en-US" dirty="0"/>
           </a:p>
         </p:txBody>
       </p:sp>
@@ -4424,10 +4437,10 @@
           <p:cNvPr id="11" name="Rectangle 10">
             <a:extLst>
               <a:ext uri="{FF2B5EF4-FFF2-40B4-BE49-F238E27FC236}">
-                <a16:creationId xmlns="" xmlns:a16="http://schemas.microsoft.com/office/drawing/2014/main" id="{FBEA8A33-C0D0-416D-8359-724B8828C7C3}"/>
+                <a16:creationId xmlns:a16="http://schemas.microsoft.com/office/drawing/2014/main" xmlns="" id="{FBEA8A33-C0D0-416D-8359-724B8828C7C3}"/>
               </a:ext>
               <a:ext uri="{C183D7F6-B498-43B3-948B-1728B52AA6E4}">
-                <adec:decorative xmlns="" xmlns:adec="http://schemas.microsoft.com/office/drawing/2017/decorative" val="1"/>
+                <adec:decorative xmlns:adec="http://schemas.microsoft.com/office/drawing/2017/decorative" xmlns="" val="1"/>
               </a:ext>
             </a:extLst>
           </p:cNvPr>
@@ -4483,7 +4496,7 @@
           <p:nvPr/>
         </p:nvPicPr>
         <p:blipFill rotWithShape="1">
-          <a:blip r:embed="rId5">
+          <a:blip r:embed="rId6">
             <a:extLst>
               <a:ext uri="{28A0092B-C50C-407E-A947-70E740481C1C}">
                 <a14:useLocalDpi xmlns:a14="http://schemas.microsoft.com/office/drawing/2010/main" val="0"/>
@@ -4605,7 +4618,22 @@
               <a:rPr lang="en-US" dirty="0">
                 <a:hlinkClick r:id="rId4"/>
               </a:rPr>
-              <a:t>https://www.openprocessing.org/sketch/521767</a:t>
+              <a:t>https://</a:t>
+            </a:r>
+            <a:r>
+              <a:rPr lang="en-US" dirty="0" smtClean="0">
+                <a:hlinkClick r:id="rId4"/>
+              </a:rPr>
+              <a:t>www.openprocessing.org/sketch/521767</a:t>
+            </a:r>
+            <a:endParaRPr lang="en-US" dirty="0" smtClean="0"/>
+          </a:p>
+          <a:p>
+            <a:r>
+              <a:rPr lang="en-US" dirty="0">
+                <a:hlinkClick r:id="rId5"/>
+              </a:rPr>
+              <a:t>http://www.sbs.com.au/theboat/</a:t>
             </a:r>
             <a:endParaRPr lang="en-US" dirty="0"/>
           </a:p>
@@ -4654,10 +4682,10 @@
           <p:cNvPr id="9" name="Group 8">
             <a:extLst>
               <a:ext uri="{FF2B5EF4-FFF2-40B4-BE49-F238E27FC236}">
-                <a16:creationId xmlns:a16="http://schemas.microsoft.com/office/drawing/2014/main" xmlns="" id="{9D9D6BF1-DFF2-4526-9D13-BF339D8C4163}"/>
+                <a16:creationId xmlns="" xmlns:a16="http://schemas.microsoft.com/office/drawing/2014/main" id="{9D9D6BF1-DFF2-4526-9D13-BF339D8C4163}"/>
               </a:ext>
               <a:ext uri="{C183D7F6-B498-43B3-948B-1728B52AA6E4}">
-                <adec:decorative xmlns:adec="http://schemas.microsoft.com/office/drawing/2017/decorative" xmlns="" val="1"/>
+                <adec:decorative xmlns="" xmlns:adec="http://schemas.microsoft.com/office/drawing/2017/decorative" val="1"/>
               </a:ext>
             </a:extLst>
           </p:cNvPr>
@@ -4685,10 +4713,10 @@
             <p:cNvPr id="10" name="Freeform 6">
               <a:extLst>
                 <a:ext uri="{FF2B5EF4-FFF2-40B4-BE49-F238E27FC236}">
-                  <a16:creationId xmlns:a16="http://schemas.microsoft.com/office/drawing/2014/main" xmlns="" id="{A54D4DB6-FB18-4CAE-8905-E0053C92569E}"/>
+                  <a16:creationId xmlns="" xmlns:a16="http://schemas.microsoft.com/office/drawing/2014/main" id="{A54D4DB6-FB18-4CAE-8905-E0053C92569E}"/>
                 </a:ext>
                 <a:ext uri="{C183D7F6-B498-43B3-948B-1728B52AA6E4}">
-                  <adec:decorative xmlns:adec="http://schemas.microsoft.com/office/drawing/2017/decorative" xmlns="" val="1"/>
+                  <adec:decorative xmlns="" xmlns:adec="http://schemas.microsoft.com/office/drawing/2017/decorative" val="1"/>
                 </a:ext>
               </a:extLst>
             </p:cNvPr>
@@ -4756,10 +4784,10 @@
             <p:cNvPr id="11" name="Freeform 6">
               <a:extLst>
                 <a:ext uri="{FF2B5EF4-FFF2-40B4-BE49-F238E27FC236}">
-                  <a16:creationId xmlns:a16="http://schemas.microsoft.com/office/drawing/2014/main" xmlns="" id="{1DBD6488-9429-4FFA-8AE8-C4022C39B0F2}"/>
+                  <a16:creationId xmlns="" xmlns:a16="http://schemas.microsoft.com/office/drawing/2014/main" id="{1DBD6488-9429-4FFA-8AE8-C4022C39B0F2}"/>
                 </a:ext>
                 <a:ext uri="{C183D7F6-B498-43B3-948B-1728B52AA6E4}">
-                  <adec:decorative xmlns:adec="http://schemas.microsoft.com/office/drawing/2017/decorative" xmlns="" val="1"/>
+                  <adec:decorative xmlns="" xmlns:adec="http://schemas.microsoft.com/office/drawing/2017/decorative" val="1"/>
                 </a:ext>
               </a:extLst>
             </p:cNvPr>
@@ -4861,10 +4889,10 @@
           <p:cNvPr id="13" name="Rectangle 12">
             <a:extLst>
               <a:ext uri="{FF2B5EF4-FFF2-40B4-BE49-F238E27FC236}">
-                <a16:creationId xmlns:a16="http://schemas.microsoft.com/office/drawing/2014/main" xmlns="" id="{310B1DD0-264A-47E3-A16A-C87AFA51E68A}"/>
+                <a16:creationId xmlns="" xmlns:a16="http://schemas.microsoft.com/office/drawing/2014/main" id="{310B1DD0-264A-47E3-A16A-C87AFA51E68A}"/>
               </a:ext>
               <a:ext uri="{C183D7F6-B498-43B3-948B-1728B52AA6E4}">
-                <adec:decorative xmlns:adec="http://schemas.microsoft.com/office/drawing/2017/decorative" xmlns="" val="1"/>
+                <adec:decorative xmlns="" xmlns:adec="http://schemas.microsoft.com/office/drawing/2017/decorative" val="1"/>
               </a:ext>
             </a:extLst>
           </p:cNvPr>
@@ -4937,10 +4965,10 @@
           <p:cNvPr id="15" name="Freeform 6">
             <a:extLst>
               <a:ext uri="{FF2B5EF4-FFF2-40B4-BE49-F238E27FC236}">
-                <a16:creationId xmlns:a16="http://schemas.microsoft.com/office/drawing/2014/main" xmlns="" id="{69C1BB7B-F21E-41A2-B30C-D8507B960282}"/>
+                <a16:creationId xmlns="" xmlns:a16="http://schemas.microsoft.com/office/drawing/2014/main" id="{69C1BB7B-F21E-41A2-B30C-D8507B960282}"/>
               </a:ext>
               <a:ext uri="{C183D7F6-B498-43B3-948B-1728B52AA6E4}">
-                <adec:decorative xmlns:adec="http://schemas.microsoft.com/office/drawing/2017/decorative" xmlns="" val="1"/>
+                <adec:decorative xmlns="" xmlns:adec="http://schemas.microsoft.com/office/drawing/2017/decorative" val="1"/>
               </a:ext>
             </a:extLst>
           </p:cNvPr>
@@ -5012,10 +5040,10 @@
           <p:cNvPr id="17" name="Freeform 6">
             <a:extLst>
               <a:ext uri="{FF2B5EF4-FFF2-40B4-BE49-F238E27FC236}">
-                <a16:creationId xmlns:a16="http://schemas.microsoft.com/office/drawing/2014/main" xmlns="" id="{DF6D7DDE-F8A1-4105-9729-F9EB5F81A360}"/>
+                <a16:creationId xmlns="" xmlns:a16="http://schemas.microsoft.com/office/drawing/2014/main" id="{DF6D7DDE-F8A1-4105-9729-F9EB5F81A360}"/>
               </a:ext>
               <a:ext uri="{C183D7F6-B498-43B3-948B-1728B52AA6E4}">
-                <adec:decorative xmlns:adec="http://schemas.microsoft.com/office/drawing/2017/decorative" xmlns="" val="1"/>
+                <adec:decorative xmlns="" xmlns:adec="http://schemas.microsoft.com/office/drawing/2017/decorative" val="1"/>
               </a:ext>
             </a:extLst>
           </p:cNvPr>
@@ -5164,10 +5192,10 @@
           <p:cNvPr id="9" name="Group 8">
             <a:extLst>
               <a:ext uri="{FF2B5EF4-FFF2-40B4-BE49-F238E27FC236}">
-                <a16:creationId xmlns:a16="http://schemas.microsoft.com/office/drawing/2014/main" xmlns="" id="{449BC34D-9C23-4D6D-8213-1F471AF85B3F}"/>
+                <a16:creationId xmlns="" xmlns:a16="http://schemas.microsoft.com/office/drawing/2014/main" id="{449BC34D-9C23-4D6D-8213-1F471AF85B3F}"/>
               </a:ext>
               <a:ext uri="{C183D7F6-B498-43B3-948B-1728B52AA6E4}">
-                <adec:decorative xmlns:adec="http://schemas.microsoft.com/office/drawing/2017/decorative" xmlns="" val="1"/>
+                <adec:decorative xmlns="" xmlns:adec="http://schemas.microsoft.com/office/drawing/2017/decorative" val="1"/>
               </a:ext>
             </a:extLst>
           </p:cNvPr>
@@ -5195,10 +5223,10 @@
             <p:cNvPr id="10" name="Freeform 6">
               <a:extLst>
                 <a:ext uri="{FF2B5EF4-FFF2-40B4-BE49-F238E27FC236}">
-                  <a16:creationId xmlns:a16="http://schemas.microsoft.com/office/drawing/2014/main" xmlns="" id="{FA0F5D6C-5025-4D7E-82DD-C2C6FDA1E759}"/>
+                  <a16:creationId xmlns="" xmlns:a16="http://schemas.microsoft.com/office/drawing/2014/main" id="{FA0F5D6C-5025-4D7E-82DD-C2C6FDA1E759}"/>
                 </a:ext>
                 <a:ext uri="{C183D7F6-B498-43B3-948B-1728B52AA6E4}">
-                  <adec:decorative xmlns:adec="http://schemas.microsoft.com/office/drawing/2017/decorative" xmlns="" val="1"/>
+                  <adec:decorative xmlns="" xmlns:adec="http://schemas.microsoft.com/office/drawing/2017/decorative" val="1"/>
                 </a:ext>
               </a:extLst>
             </p:cNvPr>
@@ -5266,10 +5294,10 @@
             <p:cNvPr id="11" name="Freeform 6">
               <a:extLst>
                 <a:ext uri="{FF2B5EF4-FFF2-40B4-BE49-F238E27FC236}">
-                  <a16:creationId xmlns:a16="http://schemas.microsoft.com/office/drawing/2014/main" xmlns="" id="{E2AF2C17-4AB4-4402-B84B-129EF95D161C}"/>
+                  <a16:creationId xmlns="" xmlns:a16="http://schemas.microsoft.com/office/drawing/2014/main" id="{E2AF2C17-4AB4-4402-B84B-129EF95D161C}"/>
                 </a:ext>
                 <a:ext uri="{C183D7F6-B498-43B3-948B-1728B52AA6E4}">
-                  <adec:decorative xmlns:adec="http://schemas.microsoft.com/office/drawing/2017/decorative" xmlns="" val="1"/>
+                  <adec:decorative xmlns="" xmlns:adec="http://schemas.microsoft.com/office/drawing/2017/decorative" val="1"/>
                 </a:ext>
               </a:extLst>
             </p:cNvPr>
@@ -5340,10 +5368,10 @@
           <p:cNvPr id="13" name="Rectangle 12">
             <a:extLst>
               <a:ext uri="{FF2B5EF4-FFF2-40B4-BE49-F238E27FC236}">
-                <a16:creationId xmlns:a16="http://schemas.microsoft.com/office/drawing/2014/main" xmlns="" id="{1E954AF0-B5CC-4A16-ACDA-675B5694F2C8}"/>
+                <a16:creationId xmlns="" xmlns:a16="http://schemas.microsoft.com/office/drawing/2014/main" id="{1E954AF0-B5CC-4A16-ACDA-675B5694F2C8}"/>
               </a:ext>
               <a:ext uri="{C183D7F6-B498-43B3-948B-1728B52AA6E4}">
-                <adec:decorative xmlns:adec="http://schemas.microsoft.com/office/drawing/2017/decorative" xmlns="" val="1"/>
+                <adec:decorative xmlns="" xmlns:adec="http://schemas.microsoft.com/office/drawing/2017/decorative" val="1"/>
               </a:ext>
             </a:extLst>
           </p:cNvPr>
@@ -5432,10 +5460,10 @@
           <p:cNvPr id="15" name="Freeform 6">
             <a:extLst>
               <a:ext uri="{FF2B5EF4-FFF2-40B4-BE49-F238E27FC236}">
-                <a16:creationId xmlns:a16="http://schemas.microsoft.com/office/drawing/2014/main" xmlns="" id="{325322DD-3792-4947-A96A-1B6D9D786960}"/>
+                <a16:creationId xmlns="" xmlns:a16="http://schemas.microsoft.com/office/drawing/2014/main" id="{325322DD-3792-4947-A96A-1B6D9D786960}"/>
               </a:ext>
               <a:ext uri="{C183D7F6-B498-43B3-948B-1728B52AA6E4}">
-                <adec:decorative xmlns:adec="http://schemas.microsoft.com/office/drawing/2017/decorative" xmlns="" val="1"/>
+                <adec:decorative xmlns="" xmlns:adec="http://schemas.microsoft.com/office/drawing/2017/decorative" val="1"/>
               </a:ext>
             </a:extLst>
           </p:cNvPr>
@@ -5583,10 +5611,10 @@
           <p:cNvPr id="9" name="Rectangle 8">
             <a:extLst>
               <a:ext uri="{FF2B5EF4-FFF2-40B4-BE49-F238E27FC236}">
-                <a16:creationId xmlns="" xmlns:a16="http://schemas.microsoft.com/office/drawing/2014/main" id="{83B91B61-BFCA-4647-957E-A8269BE46F39}"/>
+                <a16:creationId xmlns:a16="http://schemas.microsoft.com/office/drawing/2014/main" xmlns="" id="{83B91B61-BFCA-4647-957E-A8269BE46F39}"/>
               </a:ext>
               <a:ext uri="{C183D7F6-B498-43B3-948B-1728B52AA6E4}">
-                <adec:decorative xmlns="" xmlns:adec="http://schemas.microsoft.com/office/drawing/2017/decorative" val="1"/>
+                <adec:decorative xmlns:adec="http://schemas.microsoft.com/office/drawing/2017/decorative" xmlns="" val="1"/>
               </a:ext>
             </a:extLst>
           </p:cNvPr>
@@ -5701,10 +5729,10 @@
           <p:cNvPr id="11" name="Rectangle 10">
             <a:extLst>
               <a:ext uri="{FF2B5EF4-FFF2-40B4-BE49-F238E27FC236}">
-                <a16:creationId xmlns="" xmlns:a16="http://schemas.microsoft.com/office/drawing/2014/main" id="{92D1D7C6-1C89-420C-8D35-483654167118}"/>
+                <a16:creationId xmlns:a16="http://schemas.microsoft.com/office/drawing/2014/main" xmlns="" id="{92D1D7C6-1C89-420C-8D35-483654167118}"/>
               </a:ext>
               <a:ext uri="{C183D7F6-B498-43B3-948B-1728B52AA6E4}">
-                <adec:decorative xmlns="" xmlns:adec="http://schemas.microsoft.com/office/drawing/2017/decorative" val="1"/>
+                <adec:decorative xmlns:adec="http://schemas.microsoft.com/office/drawing/2017/decorative" xmlns="" val="1"/>
               </a:ext>
             </a:extLst>
           </p:cNvPr>
@@ -5853,10 +5881,10 @@
           <p:cNvPr id="9" name="Group 8">
             <a:extLst>
               <a:ext uri="{FF2B5EF4-FFF2-40B4-BE49-F238E27FC236}">
-                <a16:creationId xmlns:a16="http://schemas.microsoft.com/office/drawing/2014/main" xmlns="" id="{9D9D6BF1-DFF2-4526-9D13-BF339D8C4163}"/>
+                <a16:creationId xmlns="" xmlns:a16="http://schemas.microsoft.com/office/drawing/2014/main" id="{9D9D6BF1-DFF2-4526-9D13-BF339D8C4163}"/>
               </a:ext>
               <a:ext uri="{C183D7F6-B498-43B3-948B-1728B52AA6E4}">
-                <adec:decorative xmlns:adec="http://schemas.microsoft.com/office/drawing/2017/decorative" xmlns="" val="1"/>
+                <adec:decorative xmlns="" xmlns:adec="http://schemas.microsoft.com/office/drawing/2017/decorative" val="1"/>
               </a:ext>
             </a:extLst>
           </p:cNvPr>
@@ -5884,10 +5912,10 @@
             <p:cNvPr id="10" name="Freeform 6">
               <a:extLst>
                 <a:ext uri="{FF2B5EF4-FFF2-40B4-BE49-F238E27FC236}">
-                  <a16:creationId xmlns:a16="http://schemas.microsoft.com/office/drawing/2014/main" xmlns="" id="{A54D4DB6-FB18-4CAE-8905-E0053C92569E}"/>
+                  <a16:creationId xmlns="" xmlns:a16="http://schemas.microsoft.com/office/drawing/2014/main" id="{A54D4DB6-FB18-4CAE-8905-E0053C92569E}"/>
                 </a:ext>
                 <a:ext uri="{C183D7F6-B498-43B3-948B-1728B52AA6E4}">
-                  <adec:decorative xmlns:adec="http://schemas.microsoft.com/office/drawing/2017/decorative" xmlns="" val="1"/>
+                  <adec:decorative xmlns="" xmlns:adec="http://schemas.microsoft.com/office/drawing/2017/decorative" val="1"/>
                 </a:ext>
               </a:extLst>
             </p:cNvPr>
@@ -5955,10 +5983,10 @@
             <p:cNvPr id="11" name="Freeform 6">
               <a:extLst>
                 <a:ext uri="{FF2B5EF4-FFF2-40B4-BE49-F238E27FC236}">
-                  <a16:creationId xmlns:a16="http://schemas.microsoft.com/office/drawing/2014/main" xmlns="" id="{1DBD6488-9429-4FFA-8AE8-C4022C39B0F2}"/>
+                  <a16:creationId xmlns="" xmlns:a16="http://schemas.microsoft.com/office/drawing/2014/main" id="{1DBD6488-9429-4FFA-8AE8-C4022C39B0F2}"/>
                 </a:ext>
                 <a:ext uri="{C183D7F6-B498-43B3-948B-1728B52AA6E4}">
-                  <adec:decorative xmlns:adec="http://schemas.microsoft.com/office/drawing/2017/decorative" xmlns="" val="1"/>
+                  <adec:decorative xmlns="" xmlns:adec="http://schemas.microsoft.com/office/drawing/2017/decorative" val="1"/>
                 </a:ext>
               </a:extLst>
             </p:cNvPr>
@@ -6061,10 +6089,10 @@
           <p:cNvPr id="13" name="Rectangle 12">
             <a:extLst>
               <a:ext uri="{FF2B5EF4-FFF2-40B4-BE49-F238E27FC236}">
-                <a16:creationId xmlns:a16="http://schemas.microsoft.com/office/drawing/2014/main" xmlns="" id="{310B1DD0-264A-47E3-A16A-C87AFA51E68A}"/>
+                <a16:creationId xmlns="" xmlns:a16="http://schemas.microsoft.com/office/drawing/2014/main" id="{310B1DD0-264A-47E3-A16A-C87AFA51E68A}"/>
               </a:ext>
               <a:ext uri="{C183D7F6-B498-43B3-948B-1728B52AA6E4}">
-                <adec:decorative xmlns:adec="http://schemas.microsoft.com/office/drawing/2017/decorative" xmlns="" val="1"/>
+                <adec:decorative xmlns="" xmlns:adec="http://schemas.microsoft.com/office/drawing/2017/decorative" val="1"/>
               </a:ext>
             </a:extLst>
           </p:cNvPr>
@@ -6137,10 +6165,10 @@
           <p:cNvPr id="15" name="Freeform 6">
             <a:extLst>
               <a:ext uri="{FF2B5EF4-FFF2-40B4-BE49-F238E27FC236}">
-                <a16:creationId xmlns:a16="http://schemas.microsoft.com/office/drawing/2014/main" xmlns="" id="{69C1BB7B-F21E-41A2-B30C-D8507B960282}"/>
+                <a16:creationId xmlns="" xmlns:a16="http://schemas.microsoft.com/office/drawing/2014/main" id="{69C1BB7B-F21E-41A2-B30C-D8507B960282}"/>
               </a:ext>
               <a:ext uri="{C183D7F6-B498-43B3-948B-1728B52AA6E4}">
-                <adec:decorative xmlns:adec="http://schemas.microsoft.com/office/drawing/2017/decorative" xmlns="" val="1"/>
+                <adec:decorative xmlns="" xmlns:adec="http://schemas.microsoft.com/office/drawing/2017/decorative" val="1"/>
               </a:ext>
             </a:extLst>
           </p:cNvPr>
@@ -6212,10 +6240,10 @@
           <p:cNvPr id="17" name="Freeform 6">
             <a:extLst>
               <a:ext uri="{FF2B5EF4-FFF2-40B4-BE49-F238E27FC236}">
-                <a16:creationId xmlns:a16="http://schemas.microsoft.com/office/drawing/2014/main" xmlns="" id="{DF6D7DDE-F8A1-4105-9729-F9EB5F81A360}"/>
+                <a16:creationId xmlns="" xmlns:a16="http://schemas.microsoft.com/office/drawing/2014/main" id="{DF6D7DDE-F8A1-4105-9729-F9EB5F81A360}"/>
               </a:ext>
               <a:ext uri="{C183D7F6-B498-43B3-948B-1728B52AA6E4}">
-                <adec:decorative xmlns:adec="http://schemas.microsoft.com/office/drawing/2017/decorative" xmlns="" val="1"/>
+                <adec:decorative xmlns="" xmlns:adec="http://schemas.microsoft.com/office/drawing/2017/decorative" val="1"/>
               </a:ext>
             </a:extLst>
           </p:cNvPr>
@@ -6393,10 +6421,10 @@
           <p:cNvPr id="9" name="Group 8">
             <a:extLst>
               <a:ext uri="{FF2B5EF4-FFF2-40B4-BE49-F238E27FC236}">
-                <a16:creationId xmlns:a16="http://schemas.microsoft.com/office/drawing/2014/main" xmlns="" id="{449BC34D-9C23-4D6D-8213-1F471AF85B3F}"/>
+                <a16:creationId xmlns="" xmlns:a16="http://schemas.microsoft.com/office/drawing/2014/main" id="{449BC34D-9C23-4D6D-8213-1F471AF85B3F}"/>
               </a:ext>
               <a:ext uri="{C183D7F6-B498-43B3-948B-1728B52AA6E4}">
-                <adec:decorative xmlns:adec="http://schemas.microsoft.com/office/drawing/2017/decorative" xmlns="" val="1"/>
+                <adec:decorative xmlns="" xmlns:adec="http://schemas.microsoft.com/office/drawing/2017/decorative" val="1"/>
               </a:ext>
             </a:extLst>
           </p:cNvPr>
@@ -6424,10 +6452,10 @@
             <p:cNvPr id="10" name="Freeform 6">
               <a:extLst>
                 <a:ext uri="{FF2B5EF4-FFF2-40B4-BE49-F238E27FC236}">
-                  <a16:creationId xmlns:a16="http://schemas.microsoft.com/office/drawing/2014/main" xmlns="" id="{FA0F5D6C-5025-4D7E-82DD-C2C6FDA1E759}"/>
+                  <a16:creationId xmlns="" xmlns:a16="http://schemas.microsoft.com/office/drawing/2014/main" id="{FA0F5D6C-5025-4D7E-82DD-C2C6FDA1E759}"/>
                 </a:ext>
                 <a:ext uri="{C183D7F6-B498-43B3-948B-1728B52AA6E4}">
-                  <adec:decorative xmlns:adec="http://schemas.microsoft.com/office/drawing/2017/decorative" xmlns="" val="1"/>
+                  <adec:decorative xmlns="" xmlns:adec="http://schemas.microsoft.com/office/drawing/2017/decorative" val="1"/>
                 </a:ext>
               </a:extLst>
             </p:cNvPr>
@@ -6495,10 +6523,10 @@
             <p:cNvPr id="11" name="Freeform 6">
               <a:extLst>
                 <a:ext uri="{FF2B5EF4-FFF2-40B4-BE49-F238E27FC236}">
-                  <a16:creationId xmlns:a16="http://schemas.microsoft.com/office/drawing/2014/main" xmlns="" id="{E2AF2C17-4AB4-4402-B84B-129EF95D161C}"/>
+                  <a16:creationId xmlns="" xmlns:a16="http://schemas.microsoft.com/office/drawing/2014/main" id="{E2AF2C17-4AB4-4402-B84B-129EF95D161C}"/>
                 </a:ext>
                 <a:ext uri="{C183D7F6-B498-43B3-948B-1728B52AA6E4}">
-                  <adec:decorative xmlns:adec="http://schemas.microsoft.com/office/drawing/2017/decorative" xmlns="" val="1"/>
+                  <adec:decorative xmlns="" xmlns:adec="http://schemas.microsoft.com/office/drawing/2017/decorative" val="1"/>
                 </a:ext>
               </a:extLst>
             </p:cNvPr>
@@ -6569,10 +6597,10 @@
           <p:cNvPr id="13" name="Rectangle 12">
             <a:extLst>
               <a:ext uri="{FF2B5EF4-FFF2-40B4-BE49-F238E27FC236}">
-                <a16:creationId xmlns:a16="http://schemas.microsoft.com/office/drawing/2014/main" xmlns="" id="{1E954AF0-B5CC-4A16-ACDA-675B5694F2C8}"/>
+                <a16:creationId xmlns="" xmlns:a16="http://schemas.microsoft.com/office/drawing/2014/main" id="{1E954AF0-B5CC-4A16-ACDA-675B5694F2C8}"/>
               </a:ext>
               <a:ext uri="{C183D7F6-B498-43B3-948B-1728B52AA6E4}">
-                <adec:decorative xmlns:adec="http://schemas.microsoft.com/office/drawing/2017/decorative" xmlns="" val="1"/>
+                <adec:decorative xmlns="" xmlns:adec="http://schemas.microsoft.com/office/drawing/2017/decorative" val="1"/>
               </a:ext>
             </a:extLst>
           </p:cNvPr>
@@ -6661,10 +6689,10 @@
           <p:cNvPr id="15" name="Freeform 6">
             <a:extLst>
               <a:ext uri="{FF2B5EF4-FFF2-40B4-BE49-F238E27FC236}">
-                <a16:creationId xmlns:a16="http://schemas.microsoft.com/office/drawing/2014/main" xmlns="" id="{325322DD-3792-4947-A96A-1B6D9D786960}"/>
+                <a16:creationId xmlns="" xmlns:a16="http://schemas.microsoft.com/office/drawing/2014/main" id="{325322DD-3792-4947-A96A-1B6D9D786960}"/>
               </a:ext>
               <a:ext uri="{C183D7F6-B498-43B3-948B-1728B52AA6E4}">
-                <adec:decorative xmlns:adec="http://schemas.microsoft.com/office/drawing/2017/decorative" xmlns="" val="1"/>
+                <adec:decorative xmlns="" xmlns:adec="http://schemas.microsoft.com/office/drawing/2017/decorative" val="1"/>
               </a:ext>
             </a:extLst>
           </p:cNvPr>
@@ -6812,10 +6840,10 @@
           <p:cNvPr id="9" name="Rectangle 8">
             <a:extLst>
               <a:ext uri="{FF2B5EF4-FFF2-40B4-BE49-F238E27FC236}">
-                <a16:creationId xmlns="" xmlns:a16="http://schemas.microsoft.com/office/drawing/2014/main" id="{83B91B61-BFCA-4647-957E-A8269BE46F39}"/>
+                <a16:creationId xmlns:a16="http://schemas.microsoft.com/office/drawing/2014/main" xmlns="" id="{83B91B61-BFCA-4647-957E-A8269BE46F39}"/>
               </a:ext>
               <a:ext uri="{C183D7F6-B498-43B3-948B-1728B52AA6E4}">
-                <adec:decorative xmlns="" xmlns:adec="http://schemas.microsoft.com/office/drawing/2017/decorative" val="1"/>
+                <adec:decorative xmlns:adec="http://schemas.microsoft.com/office/drawing/2017/decorative" xmlns="" val="1"/>
               </a:ext>
             </a:extLst>
           </p:cNvPr>
@@ -6930,10 +6958,10 @@
           <p:cNvPr id="11" name="Rectangle 10">
             <a:extLst>
               <a:ext uri="{FF2B5EF4-FFF2-40B4-BE49-F238E27FC236}">
-                <a16:creationId xmlns="" xmlns:a16="http://schemas.microsoft.com/office/drawing/2014/main" id="{92D1D7C6-1C89-420C-8D35-483654167118}"/>
+                <a16:creationId xmlns:a16="http://schemas.microsoft.com/office/drawing/2014/main" xmlns="" id="{92D1D7C6-1C89-420C-8D35-483654167118}"/>
               </a:ext>
               <a:ext uri="{C183D7F6-B498-43B3-948B-1728B52AA6E4}">
-                <adec:decorative xmlns="" xmlns:adec="http://schemas.microsoft.com/office/drawing/2017/decorative" val="1"/>
+                <adec:decorative xmlns:adec="http://schemas.microsoft.com/office/drawing/2017/decorative" xmlns="" val="1"/>
               </a:ext>
             </a:extLst>
           </p:cNvPr>
@@ -7073,10 +7101,10 @@
           <p:cNvPr id="9" name="Group 8">
             <a:extLst>
               <a:ext uri="{FF2B5EF4-FFF2-40B4-BE49-F238E27FC236}">
-                <a16:creationId xmlns:a16="http://schemas.microsoft.com/office/drawing/2014/main" xmlns="" id="{9D9D6BF1-DFF2-4526-9D13-BF339D8C4163}"/>
+                <a16:creationId xmlns="" xmlns:a16="http://schemas.microsoft.com/office/drawing/2014/main" id="{9D9D6BF1-DFF2-4526-9D13-BF339D8C4163}"/>
               </a:ext>
               <a:ext uri="{C183D7F6-B498-43B3-948B-1728B52AA6E4}">
-                <adec:decorative xmlns:adec="http://schemas.microsoft.com/office/drawing/2017/decorative" xmlns="" val="1"/>
+                <adec:decorative xmlns="" xmlns:adec="http://schemas.microsoft.com/office/drawing/2017/decorative" val="1"/>
               </a:ext>
             </a:extLst>
           </p:cNvPr>
@@ -7104,10 +7132,10 @@
             <p:cNvPr id="10" name="Freeform 6">
               <a:extLst>
                 <a:ext uri="{FF2B5EF4-FFF2-40B4-BE49-F238E27FC236}">
-                  <a16:creationId xmlns:a16="http://schemas.microsoft.com/office/drawing/2014/main" xmlns="" id="{A54D4DB6-FB18-4CAE-8905-E0053C92569E}"/>
+                  <a16:creationId xmlns="" xmlns:a16="http://schemas.microsoft.com/office/drawing/2014/main" id="{A54D4DB6-FB18-4CAE-8905-E0053C92569E}"/>
                 </a:ext>
                 <a:ext uri="{C183D7F6-B498-43B3-948B-1728B52AA6E4}">
-                  <adec:decorative xmlns:adec="http://schemas.microsoft.com/office/drawing/2017/decorative" xmlns="" val="1"/>
+                  <adec:decorative xmlns="" xmlns:adec="http://schemas.microsoft.com/office/drawing/2017/decorative" val="1"/>
                 </a:ext>
               </a:extLst>
             </p:cNvPr>
@@ -7175,10 +7203,10 @@
             <p:cNvPr id="11" name="Freeform 6">
               <a:extLst>
                 <a:ext uri="{FF2B5EF4-FFF2-40B4-BE49-F238E27FC236}">
-                  <a16:creationId xmlns:a16="http://schemas.microsoft.com/office/drawing/2014/main" xmlns="" id="{1DBD6488-9429-4FFA-8AE8-C4022C39B0F2}"/>
+                  <a16:creationId xmlns="" xmlns:a16="http://schemas.microsoft.com/office/drawing/2014/main" id="{1DBD6488-9429-4FFA-8AE8-C4022C39B0F2}"/>
                 </a:ext>
                 <a:ext uri="{C183D7F6-B498-43B3-948B-1728B52AA6E4}">
-                  <adec:decorative xmlns:adec="http://schemas.microsoft.com/office/drawing/2017/decorative" xmlns="" val="1"/>
+                  <adec:decorative xmlns="" xmlns:adec="http://schemas.microsoft.com/office/drawing/2017/decorative" val="1"/>
                 </a:ext>
               </a:extLst>
             </p:cNvPr>
@@ -7281,10 +7309,10 @@
           <p:cNvPr id="13" name="Rectangle 12">
             <a:extLst>
               <a:ext uri="{FF2B5EF4-FFF2-40B4-BE49-F238E27FC236}">
-                <a16:creationId xmlns:a16="http://schemas.microsoft.com/office/drawing/2014/main" xmlns="" id="{310B1DD0-264A-47E3-A16A-C87AFA51E68A}"/>
+                <a16:creationId xmlns="" xmlns:a16="http://schemas.microsoft.com/office/drawing/2014/main" id="{310B1DD0-264A-47E3-A16A-C87AFA51E68A}"/>
               </a:ext>
               <a:ext uri="{C183D7F6-B498-43B3-948B-1728B52AA6E4}">
-                <adec:decorative xmlns:adec="http://schemas.microsoft.com/office/drawing/2017/decorative" xmlns="" val="1"/>
+                <adec:decorative xmlns="" xmlns:adec="http://schemas.microsoft.com/office/drawing/2017/decorative" val="1"/>
               </a:ext>
             </a:extLst>
           </p:cNvPr>
@@ -7357,10 +7385,10 @@
           <p:cNvPr id="15" name="Freeform 6">
             <a:extLst>
               <a:ext uri="{FF2B5EF4-FFF2-40B4-BE49-F238E27FC236}">
-                <a16:creationId xmlns:a16="http://schemas.microsoft.com/office/drawing/2014/main" xmlns="" id="{69C1BB7B-F21E-41A2-B30C-D8507B960282}"/>
+                <a16:creationId xmlns="" xmlns:a16="http://schemas.microsoft.com/office/drawing/2014/main" id="{69C1BB7B-F21E-41A2-B30C-D8507B960282}"/>
               </a:ext>
               <a:ext uri="{C183D7F6-B498-43B3-948B-1728B52AA6E4}">
-                <adec:decorative xmlns:adec="http://schemas.microsoft.com/office/drawing/2017/decorative" xmlns="" val="1"/>
+                <adec:decorative xmlns="" xmlns:adec="http://schemas.microsoft.com/office/drawing/2017/decorative" val="1"/>
               </a:ext>
             </a:extLst>
           </p:cNvPr>
@@ -7432,10 +7460,10 @@
           <p:cNvPr id="17" name="Freeform 6">
             <a:extLst>
               <a:ext uri="{FF2B5EF4-FFF2-40B4-BE49-F238E27FC236}">
-                <a16:creationId xmlns:a16="http://schemas.microsoft.com/office/drawing/2014/main" xmlns="" id="{DF6D7DDE-F8A1-4105-9729-F9EB5F81A360}"/>
+                <a16:creationId xmlns="" xmlns:a16="http://schemas.microsoft.com/office/drawing/2014/main" id="{DF6D7DDE-F8A1-4105-9729-F9EB5F81A360}"/>
               </a:ext>
               <a:ext uri="{C183D7F6-B498-43B3-948B-1728B52AA6E4}">
-                <adec:decorative xmlns:adec="http://schemas.microsoft.com/office/drawing/2017/decorative" xmlns="" val="1"/>
+                <adec:decorative xmlns="" xmlns:adec="http://schemas.microsoft.com/office/drawing/2017/decorative" val="1"/>
               </a:ext>
             </a:extLst>
           </p:cNvPr>
@@ -7613,10 +7641,10 @@
           <p:cNvPr id="9" name="Group 8">
             <a:extLst>
               <a:ext uri="{FF2B5EF4-FFF2-40B4-BE49-F238E27FC236}">
-                <a16:creationId xmlns:a16="http://schemas.microsoft.com/office/drawing/2014/main" xmlns="" id="{449BC34D-9C23-4D6D-8213-1F471AF85B3F}"/>
+                <a16:creationId xmlns="" xmlns:a16="http://schemas.microsoft.com/office/drawing/2014/main" id="{449BC34D-9C23-4D6D-8213-1F471AF85B3F}"/>
               </a:ext>
               <a:ext uri="{C183D7F6-B498-43B3-948B-1728B52AA6E4}">
-                <adec:decorative xmlns:adec="http://schemas.microsoft.com/office/drawing/2017/decorative" xmlns="" val="1"/>
+                <adec:decorative xmlns="" xmlns:adec="http://schemas.microsoft.com/office/drawing/2017/decorative" val="1"/>
               </a:ext>
             </a:extLst>
           </p:cNvPr>
@@ -7644,10 +7672,10 @@
             <p:cNvPr id="10" name="Freeform 6">
               <a:extLst>
                 <a:ext uri="{FF2B5EF4-FFF2-40B4-BE49-F238E27FC236}">
-                  <a16:creationId xmlns:a16="http://schemas.microsoft.com/office/drawing/2014/main" xmlns="" id="{FA0F5D6C-5025-4D7E-82DD-C2C6FDA1E759}"/>
+                  <a16:creationId xmlns="" xmlns:a16="http://schemas.microsoft.com/office/drawing/2014/main" id="{FA0F5D6C-5025-4D7E-82DD-C2C6FDA1E759}"/>
                 </a:ext>
                 <a:ext uri="{C183D7F6-B498-43B3-948B-1728B52AA6E4}">
-                  <adec:decorative xmlns:adec="http://schemas.microsoft.com/office/drawing/2017/decorative" xmlns="" val="1"/>
+                  <adec:decorative xmlns="" xmlns:adec="http://schemas.microsoft.com/office/drawing/2017/decorative" val="1"/>
                 </a:ext>
               </a:extLst>
             </p:cNvPr>
@@ -7715,10 +7743,10 @@
             <p:cNvPr id="11" name="Freeform 6">
               <a:extLst>
                 <a:ext uri="{FF2B5EF4-FFF2-40B4-BE49-F238E27FC236}">
-                  <a16:creationId xmlns:a16="http://schemas.microsoft.com/office/drawing/2014/main" xmlns="" id="{E2AF2C17-4AB4-4402-B84B-129EF95D161C}"/>
+                  <a16:creationId xmlns="" xmlns:a16="http://schemas.microsoft.com/office/drawing/2014/main" id="{E2AF2C17-4AB4-4402-B84B-129EF95D161C}"/>
                 </a:ext>
                 <a:ext uri="{C183D7F6-B498-43B3-948B-1728B52AA6E4}">
-                  <adec:decorative xmlns:adec="http://schemas.microsoft.com/office/drawing/2017/decorative" xmlns="" val="1"/>
+                  <adec:decorative xmlns="" xmlns:adec="http://schemas.microsoft.com/office/drawing/2017/decorative" val="1"/>
                 </a:ext>
               </a:extLst>
             </p:cNvPr>
@@ -7789,10 +7817,10 @@
           <p:cNvPr id="13" name="Rectangle 12">
             <a:extLst>
               <a:ext uri="{FF2B5EF4-FFF2-40B4-BE49-F238E27FC236}">
-                <a16:creationId xmlns:a16="http://schemas.microsoft.com/office/drawing/2014/main" xmlns="" id="{1E954AF0-B5CC-4A16-ACDA-675B5694F2C8}"/>
+                <a16:creationId xmlns="" xmlns:a16="http://schemas.microsoft.com/office/drawing/2014/main" id="{1E954AF0-B5CC-4A16-ACDA-675B5694F2C8}"/>
               </a:ext>
               <a:ext uri="{C183D7F6-B498-43B3-948B-1728B52AA6E4}">
-                <adec:decorative xmlns:adec="http://schemas.microsoft.com/office/drawing/2017/decorative" xmlns="" val="1"/>
+                <adec:decorative xmlns="" xmlns:adec="http://schemas.microsoft.com/office/drawing/2017/decorative" val="1"/>
               </a:ext>
             </a:extLst>
           </p:cNvPr>
@@ -7881,10 +7909,10 @@
           <p:cNvPr id="15" name="Freeform 6">
             <a:extLst>
               <a:ext uri="{FF2B5EF4-FFF2-40B4-BE49-F238E27FC236}">
-                <a16:creationId xmlns:a16="http://schemas.microsoft.com/office/drawing/2014/main" xmlns="" id="{325322DD-3792-4947-A96A-1B6D9D786960}"/>
+                <a16:creationId xmlns="" xmlns:a16="http://schemas.microsoft.com/office/drawing/2014/main" id="{325322DD-3792-4947-A96A-1B6D9D786960}"/>
               </a:ext>
               <a:ext uri="{C183D7F6-B498-43B3-948B-1728B52AA6E4}">
-                <adec:decorative xmlns:adec="http://schemas.microsoft.com/office/drawing/2017/decorative" xmlns="" val="1"/>
+                <adec:decorative xmlns="" xmlns:adec="http://schemas.microsoft.com/office/drawing/2017/decorative" val="1"/>
               </a:ext>
             </a:extLst>
           </p:cNvPr>

--- a/RoundTable Presentation/Presentation.pptx
+++ b/RoundTable Presentation/Presentation.pptx
@@ -207,7 +207,7 @@
           <a:p>
             <a:fld id="{F3C0DCE0-E7CC-DB4C-A6AD-7757E404FB69}" type="datetimeFigureOut">
               <a:rPr lang="en-US" smtClean="0"/>
-              <a:t>11/11/19</a:t>
+              <a:t>11/12/19</a:t>
             </a:fld>
             <a:endParaRPr lang="en-US"/>
           </a:p>
@@ -645,7 +645,7 @@
             <a:fld id="{87DE6118-2437-4B30-8E3C-4D2BE6020583}" type="datetimeFigureOut">
               <a:rPr lang="en-US" dirty="0"/>
               <a:pPr/>
-              <a:t>11/11/19</a:t>
+              <a:t>11/12/19</a:t>
             </a:fld>
             <a:endParaRPr lang="en-US" dirty="0"/>
           </a:p>
@@ -971,7 +971,7 @@
           <a:p>
             <a:fld id="{87DE6118-2437-4B30-8E3C-4D2BE6020583}" type="datetimeFigureOut">
               <a:rPr lang="en-US" dirty="0"/>
-              <a:t>11/11/19</a:t>
+              <a:t>11/12/19</a:t>
             </a:fld>
             <a:endParaRPr lang="en-US" dirty="0"/>
           </a:p>
@@ -1146,7 +1146,7 @@
           <a:p>
             <a:fld id="{87DE6118-2437-4B30-8E3C-4D2BE6020583}" type="datetimeFigureOut">
               <a:rPr lang="en-US" dirty="0"/>
-              <a:t>11/11/19</a:t>
+              <a:t>11/12/19</a:t>
             </a:fld>
             <a:endParaRPr lang="en-US" dirty="0"/>
           </a:p>
@@ -1311,7 +1311,7 @@
           <a:p>
             <a:fld id="{87DE6118-2437-4B30-8E3C-4D2BE6020583}" type="datetimeFigureOut">
               <a:rPr lang="en-US" dirty="0"/>
-              <a:t>11/11/19</a:t>
+              <a:t>11/12/19</a:t>
             </a:fld>
             <a:endParaRPr lang="en-US" dirty="0"/>
           </a:p>
@@ -1584,7 +1584,7 @@
             <a:fld id="{87DE6118-2437-4B30-8E3C-4D2BE6020583}" type="datetimeFigureOut">
               <a:rPr lang="en-US" dirty="0"/>
               <a:pPr/>
-              <a:t>11/11/19</a:t>
+              <a:t>11/12/19</a:t>
             </a:fld>
             <a:endParaRPr lang="en-US" dirty="0"/>
           </a:p>
@@ -1974,7 +1974,7 @@
           <a:p>
             <a:fld id="{87DE6118-2437-4B30-8E3C-4D2BE6020583}" type="datetimeFigureOut">
               <a:rPr lang="en-US" dirty="0"/>
-              <a:t>11/11/19</a:t>
+              <a:t>11/12/19</a:t>
             </a:fld>
             <a:endParaRPr lang="en-US" dirty="0"/>
           </a:p>
@@ -2446,7 +2446,7 @@
           <a:p>
             <a:fld id="{87DE6118-2437-4B30-8E3C-4D2BE6020583}" type="datetimeFigureOut">
               <a:rPr lang="en-US" dirty="0"/>
-              <a:t>11/11/19</a:t>
+              <a:t>11/12/19</a:t>
             </a:fld>
             <a:endParaRPr lang="en-US" dirty="0"/>
           </a:p>
@@ -2559,7 +2559,7 @@
           <a:p>
             <a:fld id="{87DE6118-2437-4B30-8E3C-4D2BE6020583}" type="datetimeFigureOut">
               <a:rPr lang="en-US" dirty="0"/>
-              <a:t>11/11/19</a:t>
+              <a:t>11/12/19</a:t>
             </a:fld>
             <a:endParaRPr lang="en-US" dirty="0"/>
           </a:p>
@@ -2649,7 +2649,7 @@
           <a:p>
             <a:fld id="{87DE6118-2437-4B30-8E3C-4D2BE6020583}" type="datetimeFigureOut">
               <a:rPr lang="en-US" dirty="0"/>
-              <a:t>11/11/19</a:t>
+              <a:t>11/12/19</a:t>
             </a:fld>
             <a:endParaRPr lang="en-US" dirty="0"/>
           </a:p>
@@ -2991,7 +2991,7 @@
             <a:fld id="{87DE6118-2437-4B30-8E3C-4D2BE6020583}" type="datetimeFigureOut">
               <a:rPr lang="en-US" dirty="0"/>
               <a:pPr/>
-              <a:t>11/11/19</a:t>
+              <a:t>11/12/19</a:t>
             </a:fld>
             <a:endParaRPr lang="en-US" dirty="0"/>
           </a:p>
@@ -3376,7 +3376,7 @@
             <a:fld id="{87DE6118-2437-4B30-8E3C-4D2BE6020583}" type="datetimeFigureOut">
               <a:rPr lang="en-US" dirty="0"/>
               <a:pPr/>
-              <a:t>11/11/19</a:t>
+              <a:t>11/12/19</a:t>
             </a:fld>
             <a:endParaRPr lang="en-US" dirty="0"/>
           </a:p>
@@ -3651,7 +3651,7 @@
             <a:fld id="{87DE6118-2437-4B30-8E3C-4D2BE6020583}" type="datetimeFigureOut">
               <a:rPr lang="en-US" dirty="0"/>
               <a:pPr/>
-              <a:t>11/11/19</a:t>
+              <a:t>11/12/19</a:t>
             </a:fld>
             <a:endParaRPr lang="en-US" dirty="0"/>
           </a:p>
@@ -4176,7 +4176,11 @@
           <a:p>
             <a:r>
               <a:rPr lang="en-US" dirty="0" smtClean="0"/>
-              <a:t>Roundtable Presentation</a:t>
+              <a:t>Round table </a:t>
+            </a:r>
+            <a:r>
+              <a:rPr lang="en-US" dirty="0" smtClean="0"/>
+              <a:t>Presentation</a:t>
             </a:r>
             <a:endParaRPr lang="en-US" dirty="0"/>
           </a:p>
@@ -4255,10 +4259,10 @@
           <p:cNvPr id="9" name="Rectangle 8">
             <a:extLst>
               <a:ext uri="{FF2B5EF4-FFF2-40B4-BE49-F238E27FC236}">
-                <a16:creationId xmlns:a16="http://schemas.microsoft.com/office/drawing/2014/main" xmlns="" id="{961D8973-EAA9-459A-AF59-BBB4233D6C78}"/>
+                <a16:creationId xmlns="" xmlns:a16="http://schemas.microsoft.com/office/drawing/2014/main" id="{961D8973-EAA9-459A-AF59-BBB4233D6C78}"/>
               </a:ext>
               <a:ext uri="{C183D7F6-B498-43B3-948B-1728B52AA6E4}">
-                <adec:decorative xmlns:adec="http://schemas.microsoft.com/office/drawing/2017/decorative" xmlns="" val="1"/>
+                <adec:decorative xmlns="" xmlns:adec="http://schemas.microsoft.com/office/drawing/2017/decorative" val="1"/>
               </a:ext>
             </a:extLst>
           </p:cNvPr>
@@ -4437,10 +4441,10 @@
           <p:cNvPr id="11" name="Rectangle 10">
             <a:extLst>
               <a:ext uri="{FF2B5EF4-FFF2-40B4-BE49-F238E27FC236}">
-                <a16:creationId xmlns:a16="http://schemas.microsoft.com/office/drawing/2014/main" xmlns="" id="{FBEA8A33-C0D0-416D-8359-724B8828C7C3}"/>
+                <a16:creationId xmlns="" xmlns:a16="http://schemas.microsoft.com/office/drawing/2014/main" id="{FBEA8A33-C0D0-416D-8359-724B8828C7C3}"/>
               </a:ext>
               <a:ext uri="{C183D7F6-B498-43B3-948B-1728B52AA6E4}">
-                <adec:decorative xmlns:adec="http://schemas.microsoft.com/office/drawing/2017/decorative" xmlns="" val="1"/>
+                <adec:decorative xmlns="" xmlns:adec="http://schemas.microsoft.com/office/drawing/2017/decorative" val="1"/>
               </a:ext>
             </a:extLst>
           </p:cNvPr>
@@ -4526,6 +4530,13 @@
   <p:clrMapOvr>
     <a:masterClrMapping/>
   </p:clrMapOvr>
+  <p:timing>
+    <p:tnLst>
+      <p:par>
+        <p:cTn id="1" dur="indefinite" restart="never" nodeType="tmRoot"/>
+      </p:par>
+    </p:tnLst>
+  </p:timing>
 </p:sld>
 </file>
 
@@ -4649,6 +4660,13 @@
   <p:clrMapOvr>
     <a:masterClrMapping/>
   </p:clrMapOvr>
+  <p:timing>
+    <p:tnLst>
+      <p:par>
+        <p:cTn id="1" dur="indefinite" restart="never" nodeType="tmRoot"/>
+      </p:par>
+    </p:tnLst>
+  </p:timing>
 </p:sld>
 </file>
 
@@ -4682,10 +4700,10 @@
           <p:cNvPr id="9" name="Group 8">
             <a:extLst>
               <a:ext uri="{FF2B5EF4-FFF2-40B4-BE49-F238E27FC236}">
-                <a16:creationId xmlns="" xmlns:a16="http://schemas.microsoft.com/office/drawing/2014/main" id="{9D9D6BF1-DFF2-4526-9D13-BF339D8C4163}"/>
+                <a16:creationId xmlns:a16="http://schemas.microsoft.com/office/drawing/2014/main" xmlns="" id="{9D9D6BF1-DFF2-4526-9D13-BF339D8C4163}"/>
               </a:ext>
               <a:ext uri="{C183D7F6-B498-43B3-948B-1728B52AA6E4}">
-                <adec:decorative xmlns="" xmlns:adec="http://schemas.microsoft.com/office/drawing/2017/decorative" val="1"/>
+                <adec:decorative xmlns:adec="http://schemas.microsoft.com/office/drawing/2017/decorative" xmlns="" val="1"/>
               </a:ext>
             </a:extLst>
           </p:cNvPr>
@@ -4713,10 +4731,10 @@
             <p:cNvPr id="10" name="Freeform 6">
               <a:extLst>
                 <a:ext uri="{FF2B5EF4-FFF2-40B4-BE49-F238E27FC236}">
-                  <a16:creationId xmlns="" xmlns:a16="http://schemas.microsoft.com/office/drawing/2014/main" id="{A54D4DB6-FB18-4CAE-8905-E0053C92569E}"/>
+                  <a16:creationId xmlns:a16="http://schemas.microsoft.com/office/drawing/2014/main" xmlns="" id="{A54D4DB6-FB18-4CAE-8905-E0053C92569E}"/>
                 </a:ext>
                 <a:ext uri="{C183D7F6-B498-43B3-948B-1728B52AA6E4}">
-                  <adec:decorative xmlns="" xmlns:adec="http://schemas.microsoft.com/office/drawing/2017/decorative" val="1"/>
+                  <adec:decorative xmlns:adec="http://schemas.microsoft.com/office/drawing/2017/decorative" xmlns="" val="1"/>
                 </a:ext>
               </a:extLst>
             </p:cNvPr>
@@ -4784,10 +4802,10 @@
             <p:cNvPr id="11" name="Freeform 6">
               <a:extLst>
                 <a:ext uri="{FF2B5EF4-FFF2-40B4-BE49-F238E27FC236}">
-                  <a16:creationId xmlns="" xmlns:a16="http://schemas.microsoft.com/office/drawing/2014/main" id="{1DBD6488-9429-4FFA-8AE8-C4022C39B0F2}"/>
+                  <a16:creationId xmlns:a16="http://schemas.microsoft.com/office/drawing/2014/main" xmlns="" id="{1DBD6488-9429-4FFA-8AE8-C4022C39B0F2}"/>
                 </a:ext>
                 <a:ext uri="{C183D7F6-B498-43B3-948B-1728B52AA6E4}">
-                  <adec:decorative xmlns="" xmlns:adec="http://schemas.microsoft.com/office/drawing/2017/decorative" val="1"/>
+                  <adec:decorative xmlns:adec="http://schemas.microsoft.com/office/drawing/2017/decorative" xmlns="" val="1"/>
                 </a:ext>
               </a:extLst>
             </p:cNvPr>
@@ -4889,10 +4907,10 @@
           <p:cNvPr id="13" name="Rectangle 12">
             <a:extLst>
               <a:ext uri="{FF2B5EF4-FFF2-40B4-BE49-F238E27FC236}">
-                <a16:creationId xmlns="" xmlns:a16="http://schemas.microsoft.com/office/drawing/2014/main" id="{310B1DD0-264A-47E3-A16A-C87AFA51E68A}"/>
+                <a16:creationId xmlns:a16="http://schemas.microsoft.com/office/drawing/2014/main" xmlns="" id="{310B1DD0-264A-47E3-A16A-C87AFA51E68A}"/>
               </a:ext>
               <a:ext uri="{C183D7F6-B498-43B3-948B-1728B52AA6E4}">
-                <adec:decorative xmlns="" xmlns:adec="http://schemas.microsoft.com/office/drawing/2017/decorative" val="1"/>
+                <adec:decorative xmlns:adec="http://schemas.microsoft.com/office/drawing/2017/decorative" xmlns="" val="1"/>
               </a:ext>
             </a:extLst>
           </p:cNvPr>
@@ -4965,10 +4983,10 @@
           <p:cNvPr id="15" name="Freeform 6">
             <a:extLst>
               <a:ext uri="{FF2B5EF4-FFF2-40B4-BE49-F238E27FC236}">
-                <a16:creationId xmlns="" xmlns:a16="http://schemas.microsoft.com/office/drawing/2014/main" id="{69C1BB7B-F21E-41A2-B30C-D8507B960282}"/>
+                <a16:creationId xmlns:a16="http://schemas.microsoft.com/office/drawing/2014/main" xmlns="" id="{69C1BB7B-F21E-41A2-B30C-D8507B960282}"/>
               </a:ext>
               <a:ext uri="{C183D7F6-B498-43B3-948B-1728B52AA6E4}">
-                <adec:decorative xmlns="" xmlns:adec="http://schemas.microsoft.com/office/drawing/2017/decorative" val="1"/>
+                <adec:decorative xmlns:adec="http://schemas.microsoft.com/office/drawing/2017/decorative" xmlns="" val="1"/>
               </a:ext>
             </a:extLst>
           </p:cNvPr>
@@ -5040,10 +5058,10 @@
           <p:cNvPr id="17" name="Freeform 6">
             <a:extLst>
               <a:ext uri="{FF2B5EF4-FFF2-40B4-BE49-F238E27FC236}">
-                <a16:creationId xmlns="" xmlns:a16="http://schemas.microsoft.com/office/drawing/2014/main" id="{DF6D7DDE-F8A1-4105-9729-F9EB5F81A360}"/>
+                <a16:creationId xmlns:a16="http://schemas.microsoft.com/office/drawing/2014/main" xmlns="" id="{DF6D7DDE-F8A1-4105-9729-F9EB5F81A360}"/>
               </a:ext>
               <a:ext uri="{C183D7F6-B498-43B3-948B-1728B52AA6E4}">
-                <adec:decorative xmlns="" xmlns:adec="http://schemas.microsoft.com/office/drawing/2017/decorative" val="1"/>
+                <adec:decorative xmlns:adec="http://schemas.microsoft.com/office/drawing/2017/decorative" xmlns="" val="1"/>
               </a:ext>
             </a:extLst>
           </p:cNvPr>
@@ -5192,10 +5210,10 @@
           <p:cNvPr id="9" name="Group 8">
             <a:extLst>
               <a:ext uri="{FF2B5EF4-FFF2-40B4-BE49-F238E27FC236}">
-                <a16:creationId xmlns="" xmlns:a16="http://schemas.microsoft.com/office/drawing/2014/main" id="{449BC34D-9C23-4D6D-8213-1F471AF85B3F}"/>
+                <a16:creationId xmlns:a16="http://schemas.microsoft.com/office/drawing/2014/main" xmlns="" id="{449BC34D-9C23-4D6D-8213-1F471AF85B3F}"/>
               </a:ext>
               <a:ext uri="{C183D7F6-B498-43B3-948B-1728B52AA6E4}">
-                <adec:decorative xmlns="" xmlns:adec="http://schemas.microsoft.com/office/drawing/2017/decorative" val="1"/>
+                <adec:decorative xmlns:adec="http://schemas.microsoft.com/office/drawing/2017/decorative" xmlns="" val="1"/>
               </a:ext>
             </a:extLst>
           </p:cNvPr>
@@ -5223,10 +5241,10 @@
             <p:cNvPr id="10" name="Freeform 6">
               <a:extLst>
                 <a:ext uri="{FF2B5EF4-FFF2-40B4-BE49-F238E27FC236}">
-                  <a16:creationId xmlns="" xmlns:a16="http://schemas.microsoft.com/office/drawing/2014/main" id="{FA0F5D6C-5025-4D7E-82DD-C2C6FDA1E759}"/>
+                  <a16:creationId xmlns:a16="http://schemas.microsoft.com/office/drawing/2014/main" xmlns="" id="{FA0F5D6C-5025-4D7E-82DD-C2C6FDA1E759}"/>
                 </a:ext>
                 <a:ext uri="{C183D7F6-B498-43B3-948B-1728B52AA6E4}">
-                  <adec:decorative xmlns="" xmlns:adec="http://schemas.microsoft.com/office/drawing/2017/decorative" val="1"/>
+                  <adec:decorative xmlns:adec="http://schemas.microsoft.com/office/drawing/2017/decorative" xmlns="" val="1"/>
                 </a:ext>
               </a:extLst>
             </p:cNvPr>
@@ -5294,10 +5312,10 @@
             <p:cNvPr id="11" name="Freeform 6">
               <a:extLst>
                 <a:ext uri="{FF2B5EF4-FFF2-40B4-BE49-F238E27FC236}">
-                  <a16:creationId xmlns="" xmlns:a16="http://schemas.microsoft.com/office/drawing/2014/main" id="{E2AF2C17-4AB4-4402-B84B-129EF95D161C}"/>
+                  <a16:creationId xmlns:a16="http://schemas.microsoft.com/office/drawing/2014/main" xmlns="" id="{E2AF2C17-4AB4-4402-B84B-129EF95D161C}"/>
                 </a:ext>
                 <a:ext uri="{C183D7F6-B498-43B3-948B-1728B52AA6E4}">
-                  <adec:decorative xmlns="" xmlns:adec="http://schemas.microsoft.com/office/drawing/2017/decorative" val="1"/>
+                  <adec:decorative xmlns:adec="http://schemas.microsoft.com/office/drawing/2017/decorative" xmlns="" val="1"/>
                 </a:ext>
               </a:extLst>
             </p:cNvPr>
@@ -5368,10 +5386,10 @@
           <p:cNvPr id="13" name="Rectangle 12">
             <a:extLst>
               <a:ext uri="{FF2B5EF4-FFF2-40B4-BE49-F238E27FC236}">
-                <a16:creationId xmlns="" xmlns:a16="http://schemas.microsoft.com/office/drawing/2014/main" id="{1E954AF0-B5CC-4A16-ACDA-675B5694F2C8}"/>
+                <a16:creationId xmlns:a16="http://schemas.microsoft.com/office/drawing/2014/main" xmlns="" id="{1E954AF0-B5CC-4A16-ACDA-675B5694F2C8}"/>
               </a:ext>
               <a:ext uri="{C183D7F6-B498-43B3-948B-1728B52AA6E4}">
-                <adec:decorative xmlns="" xmlns:adec="http://schemas.microsoft.com/office/drawing/2017/decorative" val="1"/>
+                <adec:decorative xmlns:adec="http://schemas.microsoft.com/office/drawing/2017/decorative" xmlns="" val="1"/>
               </a:ext>
             </a:extLst>
           </p:cNvPr>
@@ -5460,10 +5478,10 @@
           <p:cNvPr id="15" name="Freeform 6">
             <a:extLst>
               <a:ext uri="{FF2B5EF4-FFF2-40B4-BE49-F238E27FC236}">
-                <a16:creationId xmlns="" xmlns:a16="http://schemas.microsoft.com/office/drawing/2014/main" id="{325322DD-3792-4947-A96A-1B6D9D786960}"/>
+                <a16:creationId xmlns:a16="http://schemas.microsoft.com/office/drawing/2014/main" xmlns="" id="{325322DD-3792-4947-A96A-1B6D9D786960}"/>
               </a:ext>
               <a:ext uri="{C183D7F6-B498-43B3-948B-1728B52AA6E4}">
-                <adec:decorative xmlns="" xmlns:adec="http://schemas.microsoft.com/office/drawing/2017/decorative" val="1"/>
+                <adec:decorative xmlns:adec="http://schemas.microsoft.com/office/drawing/2017/decorative" xmlns="" val="1"/>
               </a:ext>
             </a:extLst>
           </p:cNvPr>
@@ -5611,10 +5629,10 @@
           <p:cNvPr id="9" name="Rectangle 8">
             <a:extLst>
               <a:ext uri="{FF2B5EF4-FFF2-40B4-BE49-F238E27FC236}">
-                <a16:creationId xmlns:a16="http://schemas.microsoft.com/office/drawing/2014/main" xmlns="" id="{83B91B61-BFCA-4647-957E-A8269BE46F39}"/>
+                <a16:creationId xmlns="" xmlns:a16="http://schemas.microsoft.com/office/drawing/2014/main" id="{83B91B61-BFCA-4647-957E-A8269BE46F39}"/>
               </a:ext>
               <a:ext uri="{C183D7F6-B498-43B3-948B-1728B52AA6E4}">
-                <adec:decorative xmlns:adec="http://schemas.microsoft.com/office/drawing/2017/decorative" xmlns="" val="1"/>
+                <adec:decorative xmlns="" xmlns:adec="http://schemas.microsoft.com/office/drawing/2017/decorative" val="1"/>
               </a:ext>
             </a:extLst>
           </p:cNvPr>
@@ -5729,10 +5747,10 @@
           <p:cNvPr id="11" name="Rectangle 10">
             <a:extLst>
               <a:ext uri="{FF2B5EF4-FFF2-40B4-BE49-F238E27FC236}">
-                <a16:creationId xmlns:a16="http://schemas.microsoft.com/office/drawing/2014/main" xmlns="" id="{92D1D7C6-1C89-420C-8D35-483654167118}"/>
+                <a16:creationId xmlns="" xmlns:a16="http://schemas.microsoft.com/office/drawing/2014/main" id="{92D1D7C6-1C89-420C-8D35-483654167118}"/>
               </a:ext>
               <a:ext uri="{C183D7F6-B498-43B3-948B-1728B52AA6E4}">
-                <adec:decorative xmlns:adec="http://schemas.microsoft.com/office/drawing/2017/decorative" xmlns="" val="1"/>
+                <adec:decorative xmlns="" xmlns:adec="http://schemas.microsoft.com/office/drawing/2017/decorative" val="1"/>
               </a:ext>
             </a:extLst>
           </p:cNvPr>
@@ -5848,6 +5866,13 @@
   <p:clrMapOvr>
     <a:masterClrMapping/>
   </p:clrMapOvr>
+  <p:timing>
+    <p:tnLst>
+      <p:par>
+        <p:cTn id="1" dur="indefinite" restart="never" nodeType="tmRoot"/>
+      </p:par>
+    </p:tnLst>
+  </p:timing>
 </p:sld>
 </file>
 
@@ -5881,10 +5906,10 @@
           <p:cNvPr id="9" name="Group 8">
             <a:extLst>
               <a:ext uri="{FF2B5EF4-FFF2-40B4-BE49-F238E27FC236}">
-                <a16:creationId xmlns="" xmlns:a16="http://schemas.microsoft.com/office/drawing/2014/main" id="{9D9D6BF1-DFF2-4526-9D13-BF339D8C4163}"/>
+                <a16:creationId xmlns:a16="http://schemas.microsoft.com/office/drawing/2014/main" xmlns="" id="{9D9D6BF1-DFF2-4526-9D13-BF339D8C4163}"/>
               </a:ext>
               <a:ext uri="{C183D7F6-B498-43B3-948B-1728B52AA6E4}">
-                <adec:decorative xmlns="" xmlns:adec="http://schemas.microsoft.com/office/drawing/2017/decorative" val="1"/>
+                <adec:decorative xmlns:adec="http://schemas.microsoft.com/office/drawing/2017/decorative" xmlns="" val="1"/>
               </a:ext>
             </a:extLst>
           </p:cNvPr>
@@ -5912,10 +5937,10 @@
             <p:cNvPr id="10" name="Freeform 6">
               <a:extLst>
                 <a:ext uri="{FF2B5EF4-FFF2-40B4-BE49-F238E27FC236}">
-                  <a16:creationId xmlns="" xmlns:a16="http://schemas.microsoft.com/office/drawing/2014/main" id="{A54D4DB6-FB18-4CAE-8905-E0053C92569E}"/>
+                  <a16:creationId xmlns:a16="http://schemas.microsoft.com/office/drawing/2014/main" xmlns="" id="{A54D4DB6-FB18-4CAE-8905-E0053C92569E}"/>
                 </a:ext>
                 <a:ext uri="{C183D7F6-B498-43B3-948B-1728B52AA6E4}">
-                  <adec:decorative xmlns="" xmlns:adec="http://schemas.microsoft.com/office/drawing/2017/decorative" val="1"/>
+                  <adec:decorative xmlns:adec="http://schemas.microsoft.com/office/drawing/2017/decorative" xmlns="" val="1"/>
                 </a:ext>
               </a:extLst>
             </p:cNvPr>
@@ -5983,10 +6008,10 @@
             <p:cNvPr id="11" name="Freeform 6">
               <a:extLst>
                 <a:ext uri="{FF2B5EF4-FFF2-40B4-BE49-F238E27FC236}">
-                  <a16:creationId xmlns="" xmlns:a16="http://schemas.microsoft.com/office/drawing/2014/main" id="{1DBD6488-9429-4FFA-8AE8-C4022C39B0F2}"/>
+                  <a16:creationId xmlns:a16="http://schemas.microsoft.com/office/drawing/2014/main" xmlns="" id="{1DBD6488-9429-4FFA-8AE8-C4022C39B0F2}"/>
                 </a:ext>
                 <a:ext uri="{C183D7F6-B498-43B3-948B-1728B52AA6E4}">
-                  <adec:decorative xmlns="" xmlns:adec="http://schemas.microsoft.com/office/drawing/2017/decorative" val="1"/>
+                  <adec:decorative xmlns:adec="http://schemas.microsoft.com/office/drawing/2017/decorative" xmlns="" val="1"/>
                 </a:ext>
               </a:extLst>
             </p:cNvPr>
@@ -6089,10 +6114,10 @@
           <p:cNvPr id="13" name="Rectangle 12">
             <a:extLst>
               <a:ext uri="{FF2B5EF4-FFF2-40B4-BE49-F238E27FC236}">
-                <a16:creationId xmlns="" xmlns:a16="http://schemas.microsoft.com/office/drawing/2014/main" id="{310B1DD0-264A-47E3-A16A-C87AFA51E68A}"/>
+                <a16:creationId xmlns:a16="http://schemas.microsoft.com/office/drawing/2014/main" xmlns="" id="{310B1DD0-264A-47E3-A16A-C87AFA51E68A}"/>
               </a:ext>
               <a:ext uri="{C183D7F6-B498-43B3-948B-1728B52AA6E4}">
-                <adec:decorative xmlns="" xmlns:adec="http://schemas.microsoft.com/office/drawing/2017/decorative" val="1"/>
+                <adec:decorative xmlns:adec="http://schemas.microsoft.com/office/drawing/2017/decorative" xmlns="" val="1"/>
               </a:ext>
             </a:extLst>
           </p:cNvPr>
@@ -6165,10 +6190,10 @@
           <p:cNvPr id="15" name="Freeform 6">
             <a:extLst>
               <a:ext uri="{FF2B5EF4-FFF2-40B4-BE49-F238E27FC236}">
-                <a16:creationId xmlns="" xmlns:a16="http://schemas.microsoft.com/office/drawing/2014/main" id="{69C1BB7B-F21E-41A2-B30C-D8507B960282}"/>
+                <a16:creationId xmlns:a16="http://schemas.microsoft.com/office/drawing/2014/main" xmlns="" id="{69C1BB7B-F21E-41A2-B30C-D8507B960282}"/>
               </a:ext>
               <a:ext uri="{C183D7F6-B498-43B3-948B-1728B52AA6E4}">
-                <adec:decorative xmlns="" xmlns:adec="http://schemas.microsoft.com/office/drawing/2017/decorative" val="1"/>
+                <adec:decorative xmlns:adec="http://schemas.microsoft.com/office/drawing/2017/decorative" xmlns="" val="1"/>
               </a:ext>
             </a:extLst>
           </p:cNvPr>
@@ -6240,10 +6265,10 @@
           <p:cNvPr id="17" name="Freeform 6">
             <a:extLst>
               <a:ext uri="{FF2B5EF4-FFF2-40B4-BE49-F238E27FC236}">
-                <a16:creationId xmlns="" xmlns:a16="http://schemas.microsoft.com/office/drawing/2014/main" id="{DF6D7DDE-F8A1-4105-9729-F9EB5F81A360}"/>
+                <a16:creationId xmlns:a16="http://schemas.microsoft.com/office/drawing/2014/main" xmlns="" id="{DF6D7DDE-F8A1-4105-9729-F9EB5F81A360}"/>
               </a:ext>
               <a:ext uri="{C183D7F6-B498-43B3-948B-1728B52AA6E4}">
-                <adec:decorative xmlns="" xmlns:adec="http://schemas.microsoft.com/office/drawing/2017/decorative" val="1"/>
+                <adec:decorative xmlns:adec="http://schemas.microsoft.com/office/drawing/2017/decorative" xmlns="" val="1"/>
               </a:ext>
             </a:extLst>
           </p:cNvPr>
@@ -6421,10 +6446,10 @@
           <p:cNvPr id="9" name="Group 8">
             <a:extLst>
               <a:ext uri="{FF2B5EF4-FFF2-40B4-BE49-F238E27FC236}">
-                <a16:creationId xmlns="" xmlns:a16="http://schemas.microsoft.com/office/drawing/2014/main" id="{449BC34D-9C23-4D6D-8213-1F471AF85B3F}"/>
+                <a16:creationId xmlns:a16="http://schemas.microsoft.com/office/drawing/2014/main" xmlns="" id="{449BC34D-9C23-4D6D-8213-1F471AF85B3F}"/>
               </a:ext>
               <a:ext uri="{C183D7F6-B498-43B3-948B-1728B52AA6E4}">
-                <adec:decorative xmlns="" xmlns:adec="http://schemas.microsoft.com/office/drawing/2017/decorative" val="1"/>
+                <adec:decorative xmlns:adec="http://schemas.microsoft.com/office/drawing/2017/decorative" xmlns="" val="1"/>
               </a:ext>
             </a:extLst>
           </p:cNvPr>
@@ -6452,10 +6477,10 @@
             <p:cNvPr id="10" name="Freeform 6">
               <a:extLst>
                 <a:ext uri="{FF2B5EF4-FFF2-40B4-BE49-F238E27FC236}">
-                  <a16:creationId xmlns="" xmlns:a16="http://schemas.microsoft.com/office/drawing/2014/main" id="{FA0F5D6C-5025-4D7E-82DD-C2C6FDA1E759}"/>
+                  <a16:creationId xmlns:a16="http://schemas.microsoft.com/office/drawing/2014/main" xmlns="" id="{FA0F5D6C-5025-4D7E-82DD-C2C6FDA1E759}"/>
                 </a:ext>
                 <a:ext uri="{C183D7F6-B498-43B3-948B-1728B52AA6E4}">
-                  <adec:decorative xmlns="" xmlns:adec="http://schemas.microsoft.com/office/drawing/2017/decorative" val="1"/>
+                  <adec:decorative xmlns:adec="http://schemas.microsoft.com/office/drawing/2017/decorative" xmlns="" val="1"/>
                 </a:ext>
               </a:extLst>
             </p:cNvPr>
@@ -6523,10 +6548,10 @@
             <p:cNvPr id="11" name="Freeform 6">
               <a:extLst>
                 <a:ext uri="{FF2B5EF4-FFF2-40B4-BE49-F238E27FC236}">
-                  <a16:creationId xmlns="" xmlns:a16="http://schemas.microsoft.com/office/drawing/2014/main" id="{E2AF2C17-4AB4-4402-B84B-129EF95D161C}"/>
+                  <a16:creationId xmlns:a16="http://schemas.microsoft.com/office/drawing/2014/main" xmlns="" id="{E2AF2C17-4AB4-4402-B84B-129EF95D161C}"/>
                 </a:ext>
                 <a:ext uri="{C183D7F6-B498-43B3-948B-1728B52AA6E4}">
-                  <adec:decorative xmlns="" xmlns:adec="http://schemas.microsoft.com/office/drawing/2017/decorative" val="1"/>
+                  <adec:decorative xmlns:adec="http://schemas.microsoft.com/office/drawing/2017/decorative" xmlns="" val="1"/>
                 </a:ext>
               </a:extLst>
             </p:cNvPr>
@@ -6597,10 +6622,10 @@
           <p:cNvPr id="13" name="Rectangle 12">
             <a:extLst>
               <a:ext uri="{FF2B5EF4-FFF2-40B4-BE49-F238E27FC236}">
-                <a16:creationId xmlns="" xmlns:a16="http://schemas.microsoft.com/office/drawing/2014/main" id="{1E954AF0-B5CC-4A16-ACDA-675B5694F2C8}"/>
+                <a16:creationId xmlns:a16="http://schemas.microsoft.com/office/drawing/2014/main" xmlns="" id="{1E954AF0-B5CC-4A16-ACDA-675B5694F2C8}"/>
               </a:ext>
               <a:ext uri="{C183D7F6-B498-43B3-948B-1728B52AA6E4}">
-                <adec:decorative xmlns="" xmlns:adec="http://schemas.microsoft.com/office/drawing/2017/decorative" val="1"/>
+                <adec:decorative xmlns:adec="http://schemas.microsoft.com/office/drawing/2017/decorative" xmlns="" val="1"/>
               </a:ext>
             </a:extLst>
           </p:cNvPr>
@@ -6689,10 +6714,10 @@
           <p:cNvPr id="15" name="Freeform 6">
             <a:extLst>
               <a:ext uri="{FF2B5EF4-FFF2-40B4-BE49-F238E27FC236}">
-                <a16:creationId xmlns="" xmlns:a16="http://schemas.microsoft.com/office/drawing/2014/main" id="{325322DD-3792-4947-A96A-1B6D9D786960}"/>
+                <a16:creationId xmlns:a16="http://schemas.microsoft.com/office/drawing/2014/main" xmlns="" id="{325322DD-3792-4947-A96A-1B6D9D786960}"/>
               </a:ext>
               <a:ext uri="{C183D7F6-B498-43B3-948B-1728B52AA6E4}">
-                <adec:decorative xmlns="" xmlns:adec="http://schemas.microsoft.com/office/drawing/2017/decorative" val="1"/>
+                <adec:decorative xmlns:adec="http://schemas.microsoft.com/office/drawing/2017/decorative" xmlns="" val="1"/>
               </a:ext>
             </a:extLst>
           </p:cNvPr>
@@ -6840,10 +6865,10 @@
           <p:cNvPr id="9" name="Rectangle 8">
             <a:extLst>
               <a:ext uri="{FF2B5EF4-FFF2-40B4-BE49-F238E27FC236}">
-                <a16:creationId xmlns:a16="http://schemas.microsoft.com/office/drawing/2014/main" xmlns="" id="{83B91B61-BFCA-4647-957E-A8269BE46F39}"/>
+                <a16:creationId xmlns="" xmlns:a16="http://schemas.microsoft.com/office/drawing/2014/main" id="{83B91B61-BFCA-4647-957E-A8269BE46F39}"/>
               </a:ext>
               <a:ext uri="{C183D7F6-B498-43B3-948B-1728B52AA6E4}">
-                <adec:decorative xmlns:adec="http://schemas.microsoft.com/office/drawing/2017/decorative" xmlns="" val="1"/>
+                <adec:decorative xmlns="" xmlns:adec="http://schemas.microsoft.com/office/drawing/2017/decorative" val="1"/>
               </a:ext>
             </a:extLst>
           </p:cNvPr>
@@ -6958,10 +6983,10 @@
           <p:cNvPr id="11" name="Rectangle 10">
             <a:extLst>
               <a:ext uri="{FF2B5EF4-FFF2-40B4-BE49-F238E27FC236}">
-                <a16:creationId xmlns:a16="http://schemas.microsoft.com/office/drawing/2014/main" xmlns="" id="{92D1D7C6-1C89-420C-8D35-483654167118}"/>
+                <a16:creationId xmlns="" xmlns:a16="http://schemas.microsoft.com/office/drawing/2014/main" id="{92D1D7C6-1C89-420C-8D35-483654167118}"/>
               </a:ext>
               <a:ext uri="{C183D7F6-B498-43B3-948B-1728B52AA6E4}">
-                <adec:decorative xmlns:adec="http://schemas.microsoft.com/office/drawing/2017/decorative" xmlns="" val="1"/>
+                <adec:decorative xmlns="" xmlns:adec="http://schemas.microsoft.com/office/drawing/2017/decorative" val="1"/>
               </a:ext>
             </a:extLst>
           </p:cNvPr>
@@ -7068,6 +7093,13 @@
   <p:clrMapOvr>
     <a:masterClrMapping/>
   </p:clrMapOvr>
+  <p:timing>
+    <p:tnLst>
+      <p:par>
+        <p:cTn id="1" dur="indefinite" restart="never" nodeType="tmRoot"/>
+      </p:par>
+    </p:tnLst>
+  </p:timing>
 </p:sld>
 </file>
 
@@ -7101,10 +7133,10 @@
           <p:cNvPr id="9" name="Group 8">
             <a:extLst>
               <a:ext uri="{FF2B5EF4-FFF2-40B4-BE49-F238E27FC236}">
-                <a16:creationId xmlns="" xmlns:a16="http://schemas.microsoft.com/office/drawing/2014/main" id="{9D9D6BF1-DFF2-4526-9D13-BF339D8C4163}"/>
+                <a16:creationId xmlns:a16="http://schemas.microsoft.com/office/drawing/2014/main" xmlns="" id="{9D9D6BF1-DFF2-4526-9D13-BF339D8C4163}"/>
               </a:ext>
               <a:ext uri="{C183D7F6-B498-43B3-948B-1728B52AA6E4}">
-                <adec:decorative xmlns="" xmlns:adec="http://schemas.microsoft.com/office/drawing/2017/decorative" val="1"/>
+                <adec:decorative xmlns:adec="http://schemas.microsoft.com/office/drawing/2017/decorative" xmlns="" val="1"/>
               </a:ext>
             </a:extLst>
           </p:cNvPr>
@@ -7132,10 +7164,10 @@
             <p:cNvPr id="10" name="Freeform 6">
               <a:extLst>
                 <a:ext uri="{FF2B5EF4-FFF2-40B4-BE49-F238E27FC236}">
-                  <a16:creationId xmlns="" xmlns:a16="http://schemas.microsoft.com/office/drawing/2014/main" id="{A54D4DB6-FB18-4CAE-8905-E0053C92569E}"/>
+                  <a16:creationId xmlns:a16="http://schemas.microsoft.com/office/drawing/2014/main" xmlns="" id="{A54D4DB6-FB18-4CAE-8905-E0053C92569E}"/>
                 </a:ext>
                 <a:ext uri="{C183D7F6-B498-43B3-948B-1728B52AA6E4}">
-                  <adec:decorative xmlns="" xmlns:adec="http://schemas.microsoft.com/office/drawing/2017/decorative" val="1"/>
+                  <adec:decorative xmlns:adec="http://schemas.microsoft.com/office/drawing/2017/decorative" xmlns="" val="1"/>
                 </a:ext>
               </a:extLst>
             </p:cNvPr>
@@ -7203,10 +7235,10 @@
             <p:cNvPr id="11" name="Freeform 6">
               <a:extLst>
                 <a:ext uri="{FF2B5EF4-FFF2-40B4-BE49-F238E27FC236}">
-                  <a16:creationId xmlns="" xmlns:a16="http://schemas.microsoft.com/office/drawing/2014/main" id="{1DBD6488-9429-4FFA-8AE8-C4022C39B0F2}"/>
+                  <a16:creationId xmlns:a16="http://schemas.microsoft.com/office/drawing/2014/main" xmlns="" id="{1DBD6488-9429-4FFA-8AE8-C4022C39B0F2}"/>
                 </a:ext>
                 <a:ext uri="{C183D7F6-B498-43B3-948B-1728B52AA6E4}">
-                  <adec:decorative xmlns="" xmlns:adec="http://schemas.microsoft.com/office/drawing/2017/decorative" val="1"/>
+                  <adec:decorative xmlns:adec="http://schemas.microsoft.com/office/drawing/2017/decorative" xmlns="" val="1"/>
                 </a:ext>
               </a:extLst>
             </p:cNvPr>
@@ -7309,10 +7341,10 @@
           <p:cNvPr id="13" name="Rectangle 12">
             <a:extLst>
               <a:ext uri="{FF2B5EF4-FFF2-40B4-BE49-F238E27FC236}">
-                <a16:creationId xmlns="" xmlns:a16="http://schemas.microsoft.com/office/drawing/2014/main" id="{310B1DD0-264A-47E3-A16A-C87AFA51E68A}"/>
+                <a16:creationId xmlns:a16="http://schemas.microsoft.com/office/drawing/2014/main" xmlns="" id="{310B1DD0-264A-47E3-A16A-C87AFA51E68A}"/>
               </a:ext>
               <a:ext uri="{C183D7F6-B498-43B3-948B-1728B52AA6E4}">
-                <adec:decorative xmlns="" xmlns:adec="http://schemas.microsoft.com/office/drawing/2017/decorative" val="1"/>
+                <adec:decorative xmlns:adec="http://schemas.microsoft.com/office/drawing/2017/decorative" xmlns="" val="1"/>
               </a:ext>
             </a:extLst>
           </p:cNvPr>
@@ -7385,10 +7417,10 @@
           <p:cNvPr id="15" name="Freeform 6">
             <a:extLst>
               <a:ext uri="{FF2B5EF4-FFF2-40B4-BE49-F238E27FC236}">
-                <a16:creationId xmlns="" xmlns:a16="http://schemas.microsoft.com/office/drawing/2014/main" id="{69C1BB7B-F21E-41A2-B30C-D8507B960282}"/>
+                <a16:creationId xmlns:a16="http://schemas.microsoft.com/office/drawing/2014/main" xmlns="" id="{69C1BB7B-F21E-41A2-B30C-D8507B960282}"/>
               </a:ext>
               <a:ext uri="{C183D7F6-B498-43B3-948B-1728B52AA6E4}">
-                <adec:decorative xmlns="" xmlns:adec="http://schemas.microsoft.com/office/drawing/2017/decorative" val="1"/>
+                <adec:decorative xmlns:adec="http://schemas.microsoft.com/office/drawing/2017/decorative" xmlns="" val="1"/>
               </a:ext>
             </a:extLst>
           </p:cNvPr>
@@ -7460,10 +7492,10 @@
           <p:cNvPr id="17" name="Freeform 6">
             <a:extLst>
               <a:ext uri="{FF2B5EF4-FFF2-40B4-BE49-F238E27FC236}">
-                <a16:creationId xmlns="" xmlns:a16="http://schemas.microsoft.com/office/drawing/2014/main" id="{DF6D7DDE-F8A1-4105-9729-F9EB5F81A360}"/>
+                <a16:creationId xmlns:a16="http://schemas.microsoft.com/office/drawing/2014/main" xmlns="" id="{DF6D7DDE-F8A1-4105-9729-F9EB5F81A360}"/>
               </a:ext>
               <a:ext uri="{C183D7F6-B498-43B3-948B-1728B52AA6E4}">
-                <adec:decorative xmlns="" xmlns:adec="http://schemas.microsoft.com/office/drawing/2017/decorative" val="1"/>
+                <adec:decorative xmlns:adec="http://schemas.microsoft.com/office/drawing/2017/decorative" xmlns="" val="1"/>
               </a:ext>
             </a:extLst>
           </p:cNvPr>
@@ -7641,10 +7673,10 @@
           <p:cNvPr id="9" name="Group 8">
             <a:extLst>
               <a:ext uri="{FF2B5EF4-FFF2-40B4-BE49-F238E27FC236}">
-                <a16:creationId xmlns="" xmlns:a16="http://schemas.microsoft.com/office/drawing/2014/main" id="{449BC34D-9C23-4D6D-8213-1F471AF85B3F}"/>
+                <a16:creationId xmlns:a16="http://schemas.microsoft.com/office/drawing/2014/main" xmlns="" id="{449BC34D-9C23-4D6D-8213-1F471AF85B3F}"/>
               </a:ext>
               <a:ext uri="{C183D7F6-B498-43B3-948B-1728B52AA6E4}">
-                <adec:decorative xmlns="" xmlns:adec="http://schemas.microsoft.com/office/drawing/2017/decorative" val="1"/>
+                <adec:decorative xmlns:adec="http://schemas.microsoft.com/office/drawing/2017/decorative" xmlns="" val="1"/>
               </a:ext>
             </a:extLst>
           </p:cNvPr>
@@ -7672,10 +7704,10 @@
             <p:cNvPr id="10" name="Freeform 6">
               <a:extLst>
                 <a:ext uri="{FF2B5EF4-FFF2-40B4-BE49-F238E27FC236}">
-                  <a16:creationId xmlns="" xmlns:a16="http://schemas.microsoft.com/office/drawing/2014/main" id="{FA0F5D6C-5025-4D7E-82DD-C2C6FDA1E759}"/>
+                  <a16:creationId xmlns:a16="http://schemas.microsoft.com/office/drawing/2014/main" xmlns="" id="{FA0F5D6C-5025-4D7E-82DD-C2C6FDA1E759}"/>
                 </a:ext>
                 <a:ext uri="{C183D7F6-B498-43B3-948B-1728B52AA6E4}">
-                  <adec:decorative xmlns="" xmlns:adec="http://schemas.microsoft.com/office/drawing/2017/decorative" val="1"/>
+                  <adec:decorative xmlns:adec="http://schemas.microsoft.com/office/drawing/2017/decorative" xmlns="" val="1"/>
                 </a:ext>
               </a:extLst>
             </p:cNvPr>
@@ -7743,10 +7775,10 @@
             <p:cNvPr id="11" name="Freeform 6">
               <a:extLst>
                 <a:ext uri="{FF2B5EF4-FFF2-40B4-BE49-F238E27FC236}">
-                  <a16:creationId xmlns="" xmlns:a16="http://schemas.microsoft.com/office/drawing/2014/main" id="{E2AF2C17-4AB4-4402-B84B-129EF95D161C}"/>
+                  <a16:creationId xmlns:a16="http://schemas.microsoft.com/office/drawing/2014/main" xmlns="" id="{E2AF2C17-4AB4-4402-B84B-129EF95D161C}"/>
                 </a:ext>
                 <a:ext uri="{C183D7F6-B498-43B3-948B-1728B52AA6E4}">
-                  <adec:decorative xmlns="" xmlns:adec="http://schemas.microsoft.com/office/drawing/2017/decorative" val="1"/>
+                  <adec:decorative xmlns:adec="http://schemas.microsoft.com/office/drawing/2017/decorative" xmlns="" val="1"/>
                 </a:ext>
               </a:extLst>
             </p:cNvPr>
@@ -7817,10 +7849,10 @@
           <p:cNvPr id="13" name="Rectangle 12">
             <a:extLst>
               <a:ext uri="{FF2B5EF4-FFF2-40B4-BE49-F238E27FC236}">
-                <a16:creationId xmlns="" xmlns:a16="http://schemas.microsoft.com/office/drawing/2014/main" id="{1E954AF0-B5CC-4A16-ACDA-675B5694F2C8}"/>
+                <a16:creationId xmlns:a16="http://schemas.microsoft.com/office/drawing/2014/main" xmlns="" id="{1E954AF0-B5CC-4A16-ACDA-675B5694F2C8}"/>
               </a:ext>
               <a:ext uri="{C183D7F6-B498-43B3-948B-1728B52AA6E4}">
-                <adec:decorative xmlns="" xmlns:adec="http://schemas.microsoft.com/office/drawing/2017/decorative" val="1"/>
+                <adec:decorative xmlns:adec="http://schemas.microsoft.com/office/drawing/2017/decorative" xmlns="" val="1"/>
               </a:ext>
             </a:extLst>
           </p:cNvPr>
@@ -7909,10 +7941,10 @@
           <p:cNvPr id="15" name="Freeform 6">
             <a:extLst>
               <a:ext uri="{FF2B5EF4-FFF2-40B4-BE49-F238E27FC236}">
-                <a16:creationId xmlns="" xmlns:a16="http://schemas.microsoft.com/office/drawing/2014/main" id="{325322DD-3792-4947-A96A-1B6D9D786960}"/>
+                <a16:creationId xmlns:a16="http://schemas.microsoft.com/office/drawing/2014/main" xmlns="" id="{325322DD-3792-4947-A96A-1B6D9D786960}"/>
               </a:ext>
               <a:ext uri="{C183D7F6-B498-43B3-948B-1728B52AA6E4}">
-                <adec:decorative xmlns="" xmlns:adec="http://schemas.microsoft.com/office/drawing/2017/decorative" val="1"/>
+                <adec:decorative xmlns:adec="http://schemas.microsoft.com/office/drawing/2017/decorative" xmlns="" val="1"/>
               </a:ext>
             </a:extLst>
           </p:cNvPr>
